--- a/ppt/Pemrograman 2 java.pptx
+++ b/ppt/Pemrograman 2 java.pptx
@@ -112,6 +112,11 @@
       </a:defRPr>
     </a:lvl9pPr>
   </p:defaultTextStyle>
+  <p:extLst>
+    <p:ext uri="{EFAFB233-063F-42B5-8137-9DF3F51BA10A}">
+      <p15:sldGuideLst xmlns:p15="http://schemas.microsoft.com/office/powerpoint/2012/main"/>
+    </p:ext>
+  </p:extLst>
 </p:presentation>
 </file>
 
@@ -264,7 +269,7 @@
           <a:p>
             <a:fld id="{586FBAAF-8306-48C8-BFFC-339FB733DDAC}" type="datetimeFigureOut">
               <a:rPr lang="en-ID" smtClean="0"/>
-              <a:t>17/09/2021</a:t>
+              <a:t>09/10/2021</a:t>
             </a:fld>
             <a:endParaRPr lang="en-ID"/>
           </a:p>
@@ -464,7 +469,7 @@
           <a:p>
             <a:fld id="{586FBAAF-8306-48C8-BFFC-339FB733DDAC}" type="datetimeFigureOut">
               <a:rPr lang="en-ID" smtClean="0"/>
-              <a:t>17/09/2021</a:t>
+              <a:t>09/10/2021</a:t>
             </a:fld>
             <a:endParaRPr lang="en-ID"/>
           </a:p>
@@ -674,7 +679,7 @@
           <a:p>
             <a:fld id="{586FBAAF-8306-48C8-BFFC-339FB733DDAC}" type="datetimeFigureOut">
               <a:rPr lang="en-ID" smtClean="0"/>
-              <a:t>17/09/2021</a:t>
+              <a:t>09/10/2021</a:t>
             </a:fld>
             <a:endParaRPr lang="en-ID"/>
           </a:p>
@@ -874,7 +879,7 @@
           <a:p>
             <a:fld id="{586FBAAF-8306-48C8-BFFC-339FB733DDAC}" type="datetimeFigureOut">
               <a:rPr lang="en-ID" smtClean="0"/>
-              <a:t>17/09/2021</a:t>
+              <a:t>09/10/2021</a:t>
             </a:fld>
             <a:endParaRPr lang="en-ID"/>
           </a:p>
@@ -1150,7 +1155,7 @@
           <a:p>
             <a:fld id="{586FBAAF-8306-48C8-BFFC-339FB733DDAC}" type="datetimeFigureOut">
               <a:rPr lang="en-ID" smtClean="0"/>
-              <a:t>17/09/2021</a:t>
+              <a:t>09/10/2021</a:t>
             </a:fld>
             <a:endParaRPr lang="en-ID"/>
           </a:p>
@@ -1418,7 +1423,7 @@
           <a:p>
             <a:fld id="{586FBAAF-8306-48C8-BFFC-339FB733DDAC}" type="datetimeFigureOut">
               <a:rPr lang="en-ID" smtClean="0"/>
-              <a:t>17/09/2021</a:t>
+              <a:t>09/10/2021</a:t>
             </a:fld>
             <a:endParaRPr lang="en-ID"/>
           </a:p>
@@ -1833,7 +1838,7 @@
           <a:p>
             <a:fld id="{586FBAAF-8306-48C8-BFFC-339FB733DDAC}" type="datetimeFigureOut">
               <a:rPr lang="en-ID" smtClean="0"/>
-              <a:t>17/09/2021</a:t>
+              <a:t>09/10/2021</a:t>
             </a:fld>
             <a:endParaRPr lang="en-ID"/>
           </a:p>
@@ -1975,7 +1980,7 @@
           <a:p>
             <a:fld id="{586FBAAF-8306-48C8-BFFC-339FB733DDAC}" type="datetimeFigureOut">
               <a:rPr lang="en-ID" smtClean="0"/>
-              <a:t>17/09/2021</a:t>
+              <a:t>09/10/2021</a:t>
             </a:fld>
             <a:endParaRPr lang="en-ID"/>
           </a:p>
@@ -2088,7 +2093,7 @@
           <a:p>
             <a:fld id="{586FBAAF-8306-48C8-BFFC-339FB733DDAC}" type="datetimeFigureOut">
               <a:rPr lang="en-ID" smtClean="0"/>
-              <a:t>17/09/2021</a:t>
+              <a:t>09/10/2021</a:t>
             </a:fld>
             <a:endParaRPr lang="en-ID"/>
           </a:p>
@@ -2401,7 +2406,7 @@
           <a:p>
             <a:fld id="{586FBAAF-8306-48C8-BFFC-339FB733DDAC}" type="datetimeFigureOut">
               <a:rPr lang="en-ID" smtClean="0"/>
-              <a:t>17/09/2021</a:t>
+              <a:t>09/10/2021</a:t>
             </a:fld>
             <a:endParaRPr lang="en-ID"/>
           </a:p>
@@ -2690,7 +2695,7 @@
           <a:p>
             <a:fld id="{586FBAAF-8306-48C8-BFFC-339FB733DDAC}" type="datetimeFigureOut">
               <a:rPr lang="en-ID" smtClean="0"/>
-              <a:t>17/09/2021</a:t>
+              <a:t>09/10/2021</a:t>
             </a:fld>
             <a:endParaRPr lang="en-ID"/>
           </a:p>
@@ -2933,7 +2938,7 @@
           <a:p>
             <a:fld id="{586FBAAF-8306-48C8-BFFC-339FB733DDAC}" type="datetimeFigureOut">
               <a:rPr lang="en-ID" smtClean="0"/>
-              <a:t>17/09/2021</a:t>
+              <a:t>09/10/2021</a:t>
             </a:fld>
             <a:endParaRPr lang="en-ID"/>
           </a:p>
@@ -4173,7 +4178,9 @@
         </p:nvSpPr>
         <p:spPr/>
         <p:txBody>
-          <a:bodyPr/>
+          <a:bodyPr>
+            <a:normAutofit lnSpcReduction="10000"/>
+          </a:bodyPr>
           <a:lstStyle/>
           <a:p>
             <a:r>
@@ -4247,6 +4254,25 @@
               <a:rPr lang="en-US" dirty="0"/>
               <a:t>Download and Install Java extension pack. (skip if already installed)</a:t>
             </a:r>
+          </a:p>
+          <a:p>
+            <a:r>
+              <a:rPr lang="en-US" dirty="0"/>
+              <a:t>Install extension spring </a:t>
+            </a:r>
+            <a:r>
+              <a:rPr lang="en-US" dirty="0" err="1"/>
+              <a:t>initializr</a:t>
+            </a:r>
+            <a:r>
+              <a:rPr lang="en-US" dirty="0"/>
+              <a:t> </a:t>
+            </a:r>
+            <a:r>
+              <a:rPr lang="en-US"/>
+              <a:t>java support in vs-code.</a:t>
+            </a:r>
+            <a:endParaRPr lang="en-US" dirty="0"/>
           </a:p>
           <a:p>
             <a:endParaRPr lang="en-US" dirty="0"/>
